--- a/W04/W04_web.pptx
+++ b/W04/W04_web.pptx
@@ -5,7 +5,7 @@
     <p:sldMasterId id="2147483659" r:id="rId1"/>
   </p:sldMasterIdLst>
   <p:notesMasterIdLst>
-    <p:notesMasterId r:id="rId61"/>
+    <p:notesMasterId r:id="rId65"/>
   </p:notesMasterIdLst>
   <p:sldIdLst>
     <p:sldId id="256" r:id="rId2"/>
@@ -65,8 +65,12 @@
     <p:sldId id="327" r:id="rId56"/>
     <p:sldId id="328" r:id="rId57"/>
     <p:sldId id="331" r:id="rId58"/>
-    <p:sldId id="329" r:id="rId59"/>
-    <p:sldId id="330" r:id="rId60"/>
+    <p:sldId id="339" r:id="rId59"/>
+    <p:sldId id="340" r:id="rId60"/>
+    <p:sldId id="341" r:id="rId61"/>
+    <p:sldId id="342" r:id="rId62"/>
+    <p:sldId id="329" r:id="rId63"/>
+    <p:sldId id="330" r:id="rId64"/>
   </p:sldIdLst>
   <p:sldSz cx="9144000" cy="6858000" type="screen4x3"/>
   <p:notesSz cx="6858000" cy="9144000"/>
@@ -301,7 +305,7 @@
   </p:defaultTextStyle>
   <p:extLst>
     <p:ext uri="{EFAFB233-063F-42B5-8137-9DF3F51BA10A}">
-      <p15:sldGuideLst xmlns:ahyp="http://schemas.microsoft.com/office/drawing/2018/hyperlinkcolor" xmlns:p15="http://schemas.microsoft.com/office/powerpoint/2012/main" xmlns:p14="http://schemas.microsoft.com/office/powerpoint/2010/main" xmlns:com="http://schemas.openxmlformats.org/drawingml/2006/compatibility" xmlns:pvml="urn:schemas-microsoft-com:office:powerpoint" xmlns:v="urn:schemas-microsoft-com:vml" xmlns:o="urn:schemas-microsoft-com:office:office" xmlns:dgm="http://schemas.openxmlformats.org/drawingml/2006/diagram" xmlns:c="http://schemas.openxmlformats.org/drawingml/2006/chart" xmlns:mv="urn:schemas-microsoft-com:mac:vml" xmlns:mc="http://schemas.openxmlformats.org/markup-compatibility/2006" xmlns="">
+      <p15:sldGuideLst xmlns="" xmlns:mc="http://schemas.openxmlformats.org/markup-compatibility/2006" xmlns:mv="urn:schemas-microsoft-com:mac:vml" xmlns:c="http://schemas.openxmlformats.org/drawingml/2006/chart" xmlns:dgm="http://schemas.openxmlformats.org/drawingml/2006/diagram" xmlns:o="urn:schemas-microsoft-com:office:office" xmlns:v="urn:schemas-microsoft-com:vml" xmlns:pvml="urn:schemas-microsoft-com:office:powerpoint" xmlns:com="http://schemas.openxmlformats.org/drawingml/2006/compatibility" xmlns:p14="http://schemas.microsoft.com/office/powerpoint/2010/main" xmlns:p15="http://schemas.microsoft.com/office/powerpoint/2012/main" xmlns:ahyp="http://schemas.microsoft.com/office/drawing/2018/hyperlinkcolor">
         <p15:guide id="1" orient="horz" pos="2160">
           <p15:clr>
             <a:srgbClr val="000000"/>
@@ -14528,13 +14532,7 @@
               <a:rPr lang="en-US" altLang="zh-TW" dirty="0" smtClean="0">
                 <a:hlinkClick r:id="rId2"/>
               </a:rPr>
-              <a:t>https://help.pythonanywhere.com/pages/InstallingNewModules</a:t>
-            </a:r>
-            <a:r>
-              <a:rPr lang="en-US" altLang="zh-TW" dirty="0" smtClean="0">
-                <a:hlinkClick r:id="rId2"/>
-              </a:rPr>
-              <a:t>/</a:t>
+              <a:t>https://help.pythonanywhere.com/pages/InstallingNewModules/</a:t>
             </a:r>
             <a:endParaRPr lang="de-DE" dirty="0" smtClean="0"/>
           </a:p>
@@ -14542,15 +14540,7 @@
             <a:pPr lvl="1"/>
             <a:r>
               <a:rPr lang="de-DE" dirty="0" smtClean="0"/>
-              <a:t>pip3.7 </a:t>
-            </a:r>
-            <a:r>
-              <a:rPr lang="de-DE" dirty="0" smtClean="0"/>
-              <a:t>install --user folium </a:t>
-            </a:r>
-            <a:r>
-              <a:rPr lang="de-DE" dirty="0" smtClean="0"/>
-              <a:t>geocoder</a:t>
+              <a:t>pip3.7 install --user folium geocoder</a:t>
             </a:r>
           </a:p>
           <a:p>
@@ -14914,13 +14904,7 @@
               <a:rPr lang="en-US" altLang="zh-TW" dirty="0" smtClean="0">
                 <a:hlinkClick r:id="rId2"/>
               </a:rPr>
-              <a:t>https://</a:t>
-            </a:r>
-            <a:r>
-              <a:rPr lang="en-US" altLang="zh-TW" dirty="0" smtClean="0">
-                <a:hlinkClick r:id="rId2"/>
-              </a:rPr>
-              <a:t>malocsu8107.pythonanywhere.com/map/demo2</a:t>
+              <a:t>https://malocsu8107.pythonanywhere.com/map/demo2</a:t>
             </a:r>
             <a:endParaRPr lang="en-US" altLang="zh-TW" dirty="0" smtClean="0"/>
           </a:p>
@@ -15132,6 +15116,10 @@
           <a:bodyPr/>
           <a:lstStyle/>
           <a:p>
+            <a:r>
+              <a:rPr lang="zh-TW" altLang="en-US" dirty="0" smtClean="0"/>
+              <a:t>安裝資料庫套件</a:t>
+            </a:r>
             <a:endParaRPr lang="zh-TW" altLang="en-US" dirty="0"/>
           </a:p>
         </p:txBody>
@@ -15150,12 +15138,31 @@
         <p:txBody>
           <a:bodyPr/>
           <a:lstStyle/>
+          <a:p>
+            <a:r>
+              <a:rPr lang="zh-TW" altLang="en-US" dirty="0" smtClean="0"/>
+              <a:t>這邊是用</a:t>
+            </a:r>
+            <a:r>
+              <a:rPr lang="en-US" altLang="zh-TW" dirty="0" err="1" smtClean="0"/>
+              <a:t>pip操作，但和本地端的指令不一樣，pythonAnyWhere有自己的下指令的參數</a:t>
+            </a:r>
+            <a:endParaRPr lang="en-US" altLang="zh-TW" dirty="0" smtClean="0">
+              <a:hlinkClick r:id="rId2"/>
+            </a:endParaRPr>
+          </a:p>
           <a:p>
             <a:r>
               <a:rPr lang="en-US" altLang="zh-TW" dirty="0" smtClean="0">
                 <a:hlinkClick r:id="rId2"/>
               </a:rPr>
-              <a:t>https://help.pythonanywhere.com/pages/InstallingNewModules/</a:t>
+              <a:t>https</a:t>
+            </a:r>
+            <a:r>
+              <a:rPr lang="en-US" altLang="zh-TW" dirty="0" smtClean="0">
+                <a:hlinkClick r:id="rId2"/>
+              </a:rPr>
+              <a:t>://help.pythonanywhere.com/pages/InstallingNewModules/</a:t>
             </a:r>
             <a:endParaRPr lang="en-US" altLang="zh-TW" dirty="0" smtClean="0"/>
           </a:p>
@@ -15360,6 +15367,14 @@
           <a:bodyPr/>
           <a:lstStyle/>
           <a:p>
+            <a:r>
+              <a:rPr lang="zh-TW" altLang="en-US" dirty="0" smtClean="0"/>
+              <a:t>建立</a:t>
+            </a:r>
+            <a:r>
+              <a:rPr lang="en-US" altLang="zh-TW" dirty="0" err="1" smtClean="0"/>
+              <a:t>MySQL資料庫</a:t>
+            </a:r>
             <a:endParaRPr lang="zh-TW" altLang="en-US" dirty="0"/>
           </a:p>
         </p:txBody>
@@ -15464,7 +15479,15 @@
           <a:bodyPr/>
           <a:lstStyle/>
           <a:p>
-            <a:endParaRPr lang="zh-TW" altLang="en-US"/>
+            <a:r>
+              <a:rPr lang="zh-TW" altLang="en-US" dirty="0" smtClean="0"/>
+              <a:t>建立</a:t>
+            </a:r>
+            <a:r>
+              <a:rPr lang="en-US" altLang="zh-TW" dirty="0" err="1" smtClean="0"/>
+              <a:t>MySQL資料庫</a:t>
+            </a:r>
+            <a:endParaRPr lang="zh-TW" altLang="en-US" dirty="0"/>
           </a:p>
         </p:txBody>
       </p:sp>
@@ -15693,6 +15716,539 @@
           <a:p>
             <a:r>
               <a:rPr lang="zh-TW" altLang="en-US" dirty="0" smtClean="0"/>
+              <a:t>資料庫</a:t>
+            </a:r>
+            <a:r>
+              <a:rPr lang="en-US" altLang="zh-TW" dirty="0" smtClean="0"/>
+              <a:t>-</a:t>
+            </a:r>
+            <a:r>
+              <a:rPr lang="en-US" altLang="zh-TW" dirty="0" err="1" smtClean="0"/>
+              <a:t>所以只能用程式讀</a:t>
+            </a:r>
+            <a:r>
+              <a:rPr lang="en-US" altLang="zh-TW" dirty="0" smtClean="0"/>
+              <a:t>!</a:t>
+            </a:r>
+            <a:endParaRPr lang="zh-TW" altLang="en-US" dirty="0"/>
+          </a:p>
+        </p:txBody>
+      </p:sp>
+      <p:sp>
+        <p:nvSpPr>
+          <p:cNvPr id="3" name="文字版面配置區 2"/>
+          <p:cNvSpPr>
+            <a:spLocks noGrp="1"/>
+          </p:cNvSpPr>
+          <p:nvPr>
+            <p:ph type="body" idx="1"/>
+          </p:nvPr>
+        </p:nvSpPr>
+        <p:spPr/>
+        <p:txBody>
+          <a:bodyPr/>
+          <a:lstStyle/>
+          <a:p>
+            <a:r>
+              <a:rPr lang="zh-TW" altLang="en-US" dirty="0" smtClean="0"/>
+              <a:t>我們把上星期</a:t>
+            </a:r>
+            <a:r>
+              <a:rPr lang="en-US" altLang="zh-TW" dirty="0" err="1" smtClean="0"/>
+              <a:t>SQL練習的內容拿出來用</a:t>
+            </a:r>
+            <a:r>
+              <a:rPr lang="en-US" altLang="zh-TW" dirty="0" smtClean="0"/>
+              <a:t>!</a:t>
+            </a:r>
+          </a:p>
+          <a:p>
+            <a:r>
+              <a:rPr lang="zh-TW" altLang="en-US" dirty="0" smtClean="0"/>
+              <a:t>先</a:t>
+            </a:r>
+            <a:r>
+              <a:rPr lang="en-US" altLang="zh-TW" dirty="0" err="1" smtClean="0"/>
+              <a:t>Create一個Table</a:t>
+            </a:r>
+            <a:r>
+              <a:rPr lang="en-US" altLang="zh-TW" dirty="0" smtClean="0"/>
+              <a:t> (</a:t>
+            </a:r>
+            <a:r>
+              <a:rPr lang="en-US" altLang="zh-TW" dirty="0" err="1" smtClean="0"/>
+              <a:t>在我們上一頁新增的DB中</a:t>
+            </a:r>
+            <a:r>
+              <a:rPr lang="en-US" altLang="zh-TW" dirty="0" smtClean="0"/>
+              <a:t>)</a:t>
+            </a:r>
+            <a:endParaRPr lang="zh-TW" altLang="en-US" dirty="0"/>
+          </a:p>
+        </p:txBody>
+      </p:sp>
+      <p:pic>
+        <p:nvPicPr>
+          <p:cNvPr id="1027" name="Picture 3"/>
+          <p:cNvPicPr>
+            <a:picLocks noChangeAspect="1" noChangeArrowheads="1"/>
+          </p:cNvPicPr>
+          <p:nvPr/>
+        </p:nvPicPr>
+        <p:blipFill>
+          <a:blip r:embed="rId2"/>
+          <a:srcRect/>
+          <a:stretch>
+            <a:fillRect/>
+          </a:stretch>
+        </p:blipFill>
+        <p:spPr bwMode="auto">
+          <a:xfrm>
+            <a:off x="0" y="3485242"/>
+            <a:ext cx="12325450" cy="1870529"/>
+          </a:xfrm>
+          <a:prstGeom prst="rect">
+            <a:avLst/>
+          </a:prstGeom>
+          <a:noFill/>
+          <a:ln w="9525">
+            <a:noFill/>
+            <a:miter lim="800000"/>
+            <a:headEnd/>
+            <a:tailEnd/>
+          </a:ln>
+          <a:effectLst/>
+        </p:spPr>
+      </p:pic>
+    </p:spTree>
+  </p:cSld>
+  <p:clrMapOvr>
+    <a:masterClrMapping/>
+  </p:clrMapOvr>
+</p:sld>
+</file>
+
+<file path=ppt/slides/slide59.xml><?xml version="1.0" encoding="utf-8"?>
+<p:sld xmlns:a="http://schemas.openxmlformats.org/drawingml/2006/main" xmlns:r="http://schemas.openxmlformats.org/officeDocument/2006/relationships" xmlns:p="http://schemas.openxmlformats.org/presentationml/2006/main">
+  <p:cSld>
+    <p:spTree>
+      <p:nvGrpSpPr>
+        <p:cNvPr id="1" name=""/>
+        <p:cNvGrpSpPr/>
+        <p:nvPr/>
+      </p:nvGrpSpPr>
+      <p:grpSpPr>
+        <a:xfrm>
+          <a:off x="0" y="0"/>
+          <a:ext cx="0" cy="0"/>
+          <a:chOff x="0" y="0"/>
+          <a:chExt cx="0" cy="0"/>
+        </a:xfrm>
+      </p:grpSpPr>
+      <p:sp>
+        <p:nvSpPr>
+          <p:cNvPr id="2" name="標題 1"/>
+          <p:cNvSpPr>
+            <a:spLocks noGrp="1"/>
+          </p:cNvSpPr>
+          <p:nvPr>
+            <p:ph type="title"/>
+          </p:nvPr>
+        </p:nvSpPr>
+        <p:spPr/>
+        <p:txBody>
+          <a:bodyPr/>
+          <a:lstStyle/>
+          <a:p>
+            <a:r>
+              <a:rPr lang="zh-TW" altLang="en-US" dirty="0" smtClean="0"/>
+              <a:t>資料庫</a:t>
+            </a:r>
+            <a:r>
+              <a:rPr lang="en-US" altLang="zh-TW" dirty="0" smtClean="0"/>
+              <a:t>-</a:t>
+            </a:r>
+            <a:r>
+              <a:rPr lang="en-US" altLang="zh-TW" dirty="0" err="1" smtClean="0"/>
+              <a:t>寫入</a:t>
+            </a:r>
+            <a:endParaRPr lang="zh-TW" altLang="en-US" dirty="0"/>
+          </a:p>
+        </p:txBody>
+      </p:sp>
+      <p:sp>
+        <p:nvSpPr>
+          <p:cNvPr id="3" name="文字版面配置區 2"/>
+          <p:cNvSpPr>
+            <a:spLocks noGrp="1"/>
+          </p:cNvSpPr>
+          <p:nvPr>
+            <p:ph type="body" idx="1"/>
+          </p:nvPr>
+        </p:nvSpPr>
+        <p:spPr/>
+        <p:txBody>
+          <a:bodyPr/>
+          <a:lstStyle/>
+          <a:p>
+            <a:r>
+              <a:rPr lang="zh-TW" altLang="en-US" dirty="0" smtClean="0"/>
+              <a:t>寫入資料</a:t>
+            </a:r>
+            <a:endParaRPr lang="zh-TW" altLang="en-US" dirty="0"/>
+          </a:p>
+        </p:txBody>
+      </p:sp>
+      <p:pic>
+        <p:nvPicPr>
+          <p:cNvPr id="2050" name="Picture 2"/>
+          <p:cNvPicPr>
+            <a:picLocks noChangeAspect="1" noChangeArrowheads="1"/>
+          </p:cNvPicPr>
+          <p:nvPr/>
+        </p:nvPicPr>
+        <p:blipFill>
+          <a:blip r:embed="rId2"/>
+          <a:srcRect/>
+          <a:stretch>
+            <a:fillRect/>
+          </a:stretch>
+        </p:blipFill>
+        <p:spPr bwMode="auto">
+          <a:xfrm>
+            <a:off x="0" y="2960914"/>
+            <a:ext cx="11796198" cy="3255964"/>
+          </a:xfrm>
+          <a:prstGeom prst="rect">
+            <a:avLst/>
+          </a:prstGeom>
+          <a:noFill/>
+          <a:ln w="9525">
+            <a:noFill/>
+            <a:miter lim="800000"/>
+            <a:headEnd/>
+            <a:tailEnd/>
+          </a:ln>
+          <a:effectLst/>
+        </p:spPr>
+      </p:pic>
+    </p:spTree>
+  </p:cSld>
+  <p:clrMapOvr>
+    <a:masterClrMapping/>
+  </p:clrMapOvr>
+</p:sld>
+</file>
+
+<file path=ppt/slides/slide6.xml><?xml version="1.0" encoding="utf-8"?>
+<p:sld xmlns:a="http://schemas.openxmlformats.org/drawingml/2006/main" xmlns:r="http://schemas.openxmlformats.org/officeDocument/2006/relationships" xmlns:p="http://schemas.openxmlformats.org/presentationml/2006/main">
+  <p:cSld>
+    <p:spTree>
+      <p:nvGrpSpPr>
+        <p:cNvPr id="1" name=""/>
+        <p:cNvGrpSpPr/>
+        <p:nvPr/>
+      </p:nvGrpSpPr>
+      <p:grpSpPr>
+        <a:xfrm>
+          <a:off x="0" y="0"/>
+          <a:ext cx="0" cy="0"/>
+          <a:chOff x="0" y="0"/>
+          <a:chExt cx="0" cy="0"/>
+        </a:xfrm>
+      </p:grpSpPr>
+      <p:sp>
+        <p:nvSpPr>
+          <p:cNvPr id="2" name="標題 1"/>
+          <p:cNvSpPr>
+            <a:spLocks noGrp="1"/>
+          </p:cNvSpPr>
+          <p:nvPr>
+            <p:ph type="title"/>
+          </p:nvPr>
+        </p:nvSpPr>
+        <p:spPr/>
+        <p:txBody>
+          <a:bodyPr/>
+          <a:lstStyle/>
+          <a:p>
+            <a:endParaRPr lang="zh-TW" altLang="en-US"/>
+          </a:p>
+        </p:txBody>
+      </p:sp>
+      <p:sp>
+        <p:nvSpPr>
+          <p:cNvPr id="3" name="文字版面配置區 2"/>
+          <p:cNvSpPr>
+            <a:spLocks noGrp="1"/>
+          </p:cNvSpPr>
+          <p:nvPr>
+            <p:ph type="body" idx="1"/>
+          </p:nvPr>
+        </p:nvSpPr>
+        <p:spPr/>
+        <p:txBody>
+          <a:bodyPr/>
+          <a:lstStyle/>
+          <a:p>
+            <a:endParaRPr lang="zh-TW" altLang="en-US"/>
+          </a:p>
+        </p:txBody>
+      </p:sp>
+      <p:pic>
+        <p:nvPicPr>
+          <p:cNvPr id="2050" name="Picture 2"/>
+          <p:cNvPicPr>
+            <a:picLocks noChangeAspect="1" noChangeArrowheads="1"/>
+          </p:cNvPicPr>
+          <p:nvPr/>
+        </p:nvPicPr>
+        <p:blipFill>
+          <a:blip r:embed="rId2"/>
+          <a:srcRect/>
+          <a:stretch>
+            <a:fillRect/>
+          </a:stretch>
+        </p:blipFill>
+        <p:spPr bwMode="auto">
+          <a:xfrm>
+            <a:off x="0" y="1247775"/>
+            <a:ext cx="11001375" cy="5610225"/>
+          </a:xfrm>
+          <a:prstGeom prst="rect">
+            <a:avLst/>
+          </a:prstGeom>
+          <a:noFill/>
+          <a:ln w="9525">
+            <a:noFill/>
+            <a:miter lim="800000"/>
+            <a:headEnd/>
+            <a:tailEnd/>
+          </a:ln>
+          <a:effectLst/>
+        </p:spPr>
+      </p:pic>
+    </p:spTree>
+  </p:cSld>
+  <p:clrMapOvr>
+    <a:masterClrMapping/>
+  </p:clrMapOvr>
+</p:sld>
+</file>
+
+<file path=ppt/slides/slide60.xml><?xml version="1.0" encoding="utf-8"?>
+<p:sld xmlns:a="http://schemas.openxmlformats.org/drawingml/2006/main" xmlns:r="http://schemas.openxmlformats.org/officeDocument/2006/relationships" xmlns:p="http://schemas.openxmlformats.org/presentationml/2006/main">
+  <p:cSld>
+    <p:spTree>
+      <p:nvGrpSpPr>
+        <p:cNvPr id="1" name=""/>
+        <p:cNvGrpSpPr/>
+        <p:nvPr/>
+      </p:nvGrpSpPr>
+      <p:grpSpPr>
+        <a:xfrm>
+          <a:off x="0" y="0"/>
+          <a:ext cx="0" cy="0"/>
+          <a:chOff x="0" y="0"/>
+          <a:chExt cx="0" cy="0"/>
+        </a:xfrm>
+      </p:grpSpPr>
+      <p:sp>
+        <p:nvSpPr>
+          <p:cNvPr id="2" name="標題 1"/>
+          <p:cNvSpPr>
+            <a:spLocks noGrp="1"/>
+          </p:cNvSpPr>
+          <p:nvPr>
+            <p:ph type="title"/>
+          </p:nvPr>
+        </p:nvSpPr>
+        <p:spPr/>
+        <p:txBody>
+          <a:bodyPr/>
+          <a:lstStyle/>
+          <a:p>
+            <a:r>
+              <a:rPr lang="zh-TW" altLang="en-US" dirty="0" smtClean="0"/>
+              <a:t>資料庫</a:t>
+            </a:r>
+            <a:r>
+              <a:rPr lang="en-US" altLang="zh-TW" dirty="0" smtClean="0"/>
+              <a:t>-</a:t>
+            </a:r>
+            <a:r>
+              <a:rPr lang="en-US" altLang="zh-TW" dirty="0" err="1" smtClean="0"/>
+              <a:t>讀回</a:t>
+            </a:r>
+            <a:endParaRPr lang="zh-TW" altLang="en-US" dirty="0"/>
+          </a:p>
+        </p:txBody>
+      </p:sp>
+      <p:sp>
+        <p:nvSpPr>
+          <p:cNvPr id="3" name="文字版面配置區 2"/>
+          <p:cNvSpPr>
+            <a:spLocks noGrp="1"/>
+          </p:cNvSpPr>
+          <p:nvPr>
+            <p:ph type="body" idx="1"/>
+          </p:nvPr>
+        </p:nvSpPr>
+        <p:spPr/>
+        <p:txBody>
+          <a:bodyPr/>
+          <a:lstStyle/>
+          <a:p>
+            <a:r>
+              <a:rPr lang="zh-TW" altLang="en-US" dirty="0" smtClean="0"/>
+              <a:t>讀回資料</a:t>
+            </a:r>
+            <a:endParaRPr lang="zh-TW" altLang="en-US" dirty="0"/>
+          </a:p>
+        </p:txBody>
+      </p:sp>
+      <p:pic>
+        <p:nvPicPr>
+          <p:cNvPr id="3074" name="Picture 2"/>
+          <p:cNvPicPr>
+            <a:picLocks noChangeAspect="1" noChangeArrowheads="1"/>
+          </p:cNvPicPr>
+          <p:nvPr/>
+        </p:nvPicPr>
+        <p:blipFill>
+          <a:blip r:embed="rId2"/>
+          <a:srcRect/>
+          <a:stretch>
+            <a:fillRect/>
+          </a:stretch>
+        </p:blipFill>
+        <p:spPr bwMode="auto">
+          <a:xfrm>
+            <a:off x="0" y="3018972"/>
+            <a:ext cx="12091120" cy="3246892"/>
+          </a:xfrm>
+          <a:prstGeom prst="rect">
+            <a:avLst/>
+          </a:prstGeom>
+          <a:noFill/>
+          <a:ln w="9525">
+            <a:noFill/>
+            <a:miter lim="800000"/>
+            <a:headEnd/>
+            <a:tailEnd/>
+          </a:ln>
+          <a:effectLst/>
+        </p:spPr>
+      </p:pic>
+    </p:spTree>
+  </p:cSld>
+  <p:clrMapOvr>
+    <a:masterClrMapping/>
+  </p:clrMapOvr>
+</p:sld>
+</file>
+
+<file path=ppt/slides/slide61.xml><?xml version="1.0" encoding="utf-8"?>
+<p:sld xmlns:a="http://schemas.openxmlformats.org/drawingml/2006/main" xmlns:r="http://schemas.openxmlformats.org/officeDocument/2006/relationships" xmlns:p="http://schemas.openxmlformats.org/presentationml/2006/main">
+  <p:cSld>
+    <p:spTree>
+      <p:nvGrpSpPr>
+        <p:cNvPr id="1" name=""/>
+        <p:cNvGrpSpPr/>
+        <p:nvPr/>
+      </p:nvGrpSpPr>
+      <p:grpSpPr>
+        <a:xfrm>
+          <a:off x="0" y="0"/>
+          <a:ext cx="0" cy="0"/>
+          <a:chOff x="0" y="0"/>
+          <a:chExt cx="0" cy="0"/>
+        </a:xfrm>
+      </p:grpSpPr>
+      <p:sp>
+        <p:nvSpPr>
+          <p:cNvPr id="2" name="標題 1"/>
+          <p:cNvSpPr>
+            <a:spLocks noGrp="1"/>
+          </p:cNvSpPr>
+          <p:nvPr>
+            <p:ph type="ctrTitle"/>
+          </p:nvPr>
+        </p:nvSpPr>
+        <p:spPr/>
+        <p:txBody>
+          <a:bodyPr/>
+          <a:lstStyle/>
+          <a:p>
+            <a:r>
+              <a:rPr lang="zh-TW" altLang="en-US" dirty="0" smtClean="0"/>
+              <a:t>時區設定</a:t>
+            </a:r>
+            <a:endParaRPr lang="zh-TW" altLang="en-US" dirty="0"/>
+          </a:p>
+        </p:txBody>
+      </p:sp>
+      <p:sp>
+        <p:nvSpPr>
+          <p:cNvPr id="3" name="副標題 2"/>
+          <p:cNvSpPr>
+            <a:spLocks noGrp="1"/>
+          </p:cNvSpPr>
+          <p:nvPr>
+            <p:ph type="subTitle" idx="1"/>
+          </p:nvPr>
+        </p:nvSpPr>
+        <p:spPr/>
+        <p:txBody>
+          <a:bodyPr/>
+          <a:lstStyle/>
+          <a:p>
+            <a:endParaRPr lang="zh-TW" altLang="en-US"/>
+          </a:p>
+        </p:txBody>
+      </p:sp>
+    </p:spTree>
+  </p:cSld>
+  <p:clrMapOvr>
+    <a:masterClrMapping/>
+  </p:clrMapOvr>
+</p:sld>
+</file>
+
+<file path=ppt/slides/slide62.xml><?xml version="1.0" encoding="utf-8"?>
+<p:sld xmlns:a="http://schemas.openxmlformats.org/drawingml/2006/main" xmlns:r="http://schemas.openxmlformats.org/officeDocument/2006/relationships" xmlns:p="http://schemas.openxmlformats.org/presentationml/2006/main">
+  <p:cSld>
+    <p:spTree>
+      <p:nvGrpSpPr>
+        <p:cNvPr id="1" name=""/>
+        <p:cNvGrpSpPr/>
+        <p:nvPr/>
+      </p:nvGrpSpPr>
+      <p:grpSpPr>
+        <a:xfrm>
+          <a:off x="0" y="0"/>
+          <a:ext cx="0" cy="0"/>
+          <a:chOff x="0" y="0"/>
+          <a:chExt cx="0" cy="0"/>
+        </a:xfrm>
+      </p:grpSpPr>
+      <p:sp>
+        <p:nvSpPr>
+          <p:cNvPr id="2" name="標題 1"/>
+          <p:cNvSpPr>
+            <a:spLocks noGrp="1"/>
+          </p:cNvSpPr>
+          <p:nvPr>
+            <p:ph type="title"/>
+          </p:nvPr>
+        </p:nvSpPr>
+        <p:spPr/>
+        <p:txBody>
+          <a:bodyPr/>
+          <a:lstStyle/>
+          <a:p>
+            <a:r>
+              <a:rPr lang="zh-TW" altLang="en-US" dirty="0" smtClean="0"/>
               <a:t>時區設定</a:t>
             </a:r>
             <a:endParaRPr lang="zh-TW" altLang="en-US" dirty="0"/>
@@ -15783,7 +16339,7 @@
 </p:sld>
 </file>
 
-<file path=ppt/slides/slide59.xml><?xml version="1.0" encoding="utf-8"?>
+<file path=ppt/slides/slide63.xml><?xml version="1.0" encoding="utf-8"?>
 <p:sld xmlns:a="http://schemas.openxmlformats.org/drawingml/2006/main" xmlns:r="http://schemas.openxmlformats.org/officeDocument/2006/relationships" xmlns:p="http://schemas.openxmlformats.org/presentationml/2006/main">
   <p:cSld>
     <p:spTree>
@@ -15883,102 +16439,6 @@
           <a:xfrm>
             <a:off x="1483406" y="3111954"/>
             <a:ext cx="4855361" cy="1547132"/>
-          </a:xfrm>
-          <a:prstGeom prst="rect">
-            <a:avLst/>
-          </a:prstGeom>
-          <a:noFill/>
-          <a:ln w="9525">
-            <a:noFill/>
-            <a:miter lim="800000"/>
-            <a:headEnd/>
-            <a:tailEnd/>
-          </a:ln>
-          <a:effectLst/>
-        </p:spPr>
-      </p:pic>
-    </p:spTree>
-  </p:cSld>
-  <p:clrMapOvr>
-    <a:masterClrMapping/>
-  </p:clrMapOvr>
-</p:sld>
-</file>
-
-<file path=ppt/slides/slide6.xml><?xml version="1.0" encoding="utf-8"?>
-<p:sld xmlns:a="http://schemas.openxmlformats.org/drawingml/2006/main" xmlns:r="http://schemas.openxmlformats.org/officeDocument/2006/relationships" xmlns:p="http://schemas.openxmlformats.org/presentationml/2006/main">
-  <p:cSld>
-    <p:spTree>
-      <p:nvGrpSpPr>
-        <p:cNvPr id="1" name=""/>
-        <p:cNvGrpSpPr/>
-        <p:nvPr/>
-      </p:nvGrpSpPr>
-      <p:grpSpPr>
-        <a:xfrm>
-          <a:off x="0" y="0"/>
-          <a:ext cx="0" cy="0"/>
-          <a:chOff x="0" y="0"/>
-          <a:chExt cx="0" cy="0"/>
-        </a:xfrm>
-      </p:grpSpPr>
-      <p:sp>
-        <p:nvSpPr>
-          <p:cNvPr id="2" name="標題 1"/>
-          <p:cNvSpPr>
-            <a:spLocks noGrp="1"/>
-          </p:cNvSpPr>
-          <p:nvPr>
-            <p:ph type="title"/>
-          </p:nvPr>
-        </p:nvSpPr>
-        <p:spPr/>
-        <p:txBody>
-          <a:bodyPr/>
-          <a:lstStyle/>
-          <a:p>
-            <a:endParaRPr lang="zh-TW" altLang="en-US"/>
-          </a:p>
-        </p:txBody>
-      </p:sp>
-      <p:sp>
-        <p:nvSpPr>
-          <p:cNvPr id="3" name="文字版面配置區 2"/>
-          <p:cNvSpPr>
-            <a:spLocks noGrp="1"/>
-          </p:cNvSpPr>
-          <p:nvPr>
-            <p:ph type="body" idx="1"/>
-          </p:nvPr>
-        </p:nvSpPr>
-        <p:spPr/>
-        <p:txBody>
-          <a:bodyPr/>
-          <a:lstStyle/>
-          <a:p>
-            <a:endParaRPr lang="zh-TW" altLang="en-US"/>
-          </a:p>
-        </p:txBody>
-      </p:sp>
-      <p:pic>
-        <p:nvPicPr>
-          <p:cNvPr id="2050" name="Picture 2"/>
-          <p:cNvPicPr>
-            <a:picLocks noChangeAspect="1" noChangeArrowheads="1"/>
-          </p:cNvPicPr>
-          <p:nvPr/>
-        </p:nvPicPr>
-        <p:blipFill>
-          <a:blip r:embed="rId2"/>
-          <a:srcRect/>
-          <a:stretch>
-            <a:fillRect/>
-          </a:stretch>
-        </p:blipFill>
-        <p:spPr bwMode="auto">
-          <a:xfrm>
-            <a:off x="0" y="1247775"/>
-            <a:ext cx="11001375" cy="5610225"/>
           </a:xfrm>
           <a:prstGeom prst="rect">
             <a:avLst/>
